--- a/docking/Presentation/Проект.pptx
+++ b/docking/Presentation/Проект.pptx
@@ -6,14 +6,15 @@
   </p:sldMasterIdLst>
   <p:sldIdLst>
     <p:sldId id="256" r:id="rId2"/>
-    <p:sldId id="257" r:id="rId3"/>
-    <p:sldId id="258" r:id="rId4"/>
-    <p:sldId id="259" r:id="rId5"/>
-    <p:sldId id="260" r:id="rId6"/>
-    <p:sldId id="261" r:id="rId7"/>
-    <p:sldId id="262" r:id="rId8"/>
-    <p:sldId id="263" r:id="rId9"/>
-    <p:sldId id="264" r:id="rId10"/>
+    <p:sldId id="265" r:id="rId3"/>
+    <p:sldId id="257" r:id="rId4"/>
+    <p:sldId id="258" r:id="rId5"/>
+    <p:sldId id="259" r:id="rId6"/>
+    <p:sldId id="260" r:id="rId7"/>
+    <p:sldId id="261" r:id="rId8"/>
+    <p:sldId id="262" r:id="rId9"/>
+    <p:sldId id="263" r:id="rId10"/>
+    <p:sldId id="264" r:id="rId11"/>
   </p:sldIdLst>
   <p:sldSz cx="12192000" cy="6858000"/>
   <p:notesSz cx="6858000" cy="9144000"/>
@@ -112,6 +113,11 @@
       </a:defRPr>
     </a:lvl9pPr>
   </p:defaultTextStyle>
+  <p:extLst>
+    <p:ext uri="{EFAFB233-063F-42B5-8137-9DF3F51BA10A}">
+      <p15:sldGuideLst xmlns:p15="http://schemas.microsoft.com/office/powerpoint/2012/main"/>
+    </p:ext>
+  </p:extLst>
 </p:presentation>
 </file>
 
@@ -3925,6 +3931,69 @@
 </p:sld>
 </file>
 
+<file path=ppt/slides/slide10.xml><?xml version="1.0" encoding="utf-8"?>
+<p:sld xmlns:a="http://schemas.openxmlformats.org/drawingml/2006/main" xmlns:r="http://schemas.openxmlformats.org/officeDocument/2006/relationships" xmlns:p="http://schemas.openxmlformats.org/presentationml/2006/main">
+  <p:cSld>
+    <p:spTree>
+      <p:nvGrpSpPr>
+        <p:cNvPr id="1" name=""/>
+        <p:cNvGrpSpPr/>
+        <p:nvPr/>
+      </p:nvGrpSpPr>
+      <p:grpSpPr>
+        <a:xfrm>
+          <a:off x="0" y="0"/>
+          <a:ext cx="0" cy="0"/>
+          <a:chOff x="0" y="0"/>
+          <a:chExt cx="0" cy="0"/>
+        </a:xfrm>
+      </p:grpSpPr>
+      <p:sp>
+        <p:nvSpPr>
+          <p:cNvPr id="2" name="Заголовок 1">
+            <a:extLst>
+              <a:ext uri="{FF2B5EF4-FFF2-40B4-BE49-F238E27FC236}">
+                <a16:creationId xmlns:a16="http://schemas.microsoft.com/office/drawing/2014/main" id="{FBC7953E-74E1-4150-9676-AA28549DC1FC}"/>
+              </a:ext>
+            </a:extLst>
+          </p:cNvPr>
+          <p:cNvSpPr>
+            <a:spLocks noGrp="1"/>
+          </p:cNvSpPr>
+          <p:nvPr>
+            <p:ph type="title"/>
+          </p:nvPr>
+        </p:nvSpPr>
+        <p:spPr>
+          <a:xfrm>
+            <a:off x="3312886" y="2979058"/>
+            <a:ext cx="6135914" cy="954313"/>
+          </a:xfrm>
+        </p:spPr>
+        <p:txBody>
+          <a:bodyPr/>
+          <a:lstStyle/>
+          <a:p>
+            <a:r>
+              <a:rPr lang="ru-RU" dirty="0"/>
+              <a:t>Спасибо за внимание)</a:t>
+            </a:r>
+          </a:p>
+        </p:txBody>
+      </p:sp>
+    </p:spTree>
+    <p:extLst>
+      <p:ext uri="{BB962C8B-B14F-4D97-AF65-F5344CB8AC3E}">
+        <p14:creationId xmlns:p14="http://schemas.microsoft.com/office/powerpoint/2010/main" val="578678477"/>
+      </p:ext>
+    </p:extLst>
+  </p:cSld>
+  <p:clrMapOvr>
+    <a:masterClrMapping/>
+  </p:clrMapOvr>
+</p:sld>
+</file>
+
 <file path=ppt/slides/slide2.xml><?xml version="1.0" encoding="utf-8"?>
 <p:sld xmlns:a="http://schemas.openxmlformats.org/drawingml/2006/main" xmlns:r="http://schemas.openxmlformats.org/officeDocument/2006/relationships" xmlns:p="http://schemas.openxmlformats.org/presentationml/2006/main">
   <p:cSld>
@@ -3947,7 +4016,7 @@
           <p:cNvPr id="2" name="Заголовок 1">
             <a:extLst>
               <a:ext uri="{FF2B5EF4-FFF2-40B4-BE49-F238E27FC236}">
-                <a16:creationId xmlns:a16="http://schemas.microsoft.com/office/drawing/2014/main" id="{2F7B4B4A-45B4-461C-B81C-192E92B1F79F}"/>
+                <a16:creationId xmlns:a16="http://schemas.microsoft.com/office/drawing/2014/main" id="{60FEFFE9-0E4C-4D2D-972F-6BC8A77DA226}"/>
               </a:ext>
             </a:extLst>
           </p:cNvPr>
@@ -3958,24 +4027,29 @@
             <p:ph type="title"/>
           </p:nvPr>
         </p:nvSpPr>
-        <p:spPr/>
+        <p:spPr>
+          <a:xfrm>
+            <a:off x="1327878" y="216050"/>
+            <a:ext cx="3962400" cy="990600"/>
+          </a:xfrm>
+        </p:spPr>
         <p:txBody>
           <a:bodyPr/>
           <a:lstStyle/>
           <a:p>
             <a:r>
               <a:rPr lang="ru-RU" dirty="0"/>
-              <a:t>Цели и задачи</a:t>
-            </a:r>
-          </a:p>
-        </p:txBody>
-      </p:sp>
-      <p:sp>
-        <p:nvSpPr>
-          <p:cNvPr id="3" name="Объект 2">
+              <a:t>Проблемы</a:t>
+            </a:r>
+          </a:p>
+        </p:txBody>
+      </p:sp>
+      <p:sp>
+        <p:nvSpPr>
+          <p:cNvPr id="10" name="Объект 9">
             <a:extLst>
               <a:ext uri="{FF2B5EF4-FFF2-40B4-BE49-F238E27FC236}">
-                <a16:creationId xmlns:a16="http://schemas.microsoft.com/office/drawing/2014/main" id="{1A3F643D-5F47-4AE3-AB98-5F3332C369D1}"/>
+                <a16:creationId xmlns:a16="http://schemas.microsoft.com/office/drawing/2014/main" id="{172D3015-8C77-4D18-90DF-AD53F36D5AD3}"/>
               </a:ext>
             </a:extLst>
           </p:cNvPr>
@@ -3986,28 +4060,183 @@
             <p:ph idx="1"/>
           </p:nvPr>
         </p:nvSpPr>
-        <p:spPr/>
+        <p:spPr>
+          <a:xfrm>
+            <a:off x="970375" y="1238336"/>
+            <a:ext cx="5316126" cy="2190664"/>
+          </a:xfrm>
+        </p:spPr>
         <p:txBody>
           <a:bodyPr/>
           <a:lstStyle/>
           <a:p>
             <a:r>
               <a:rPr lang="ru-RU" dirty="0"/>
-              <a:t>Наглядное представление обхода донной зарядной станции</a:t>
+              <a:t>Трудоёмкость отладки мат. модели траекторного движения</a:t>
             </a:r>
           </a:p>
           <a:p>
             <a:r>
               <a:rPr lang="ru-RU" dirty="0"/>
-              <a:t>Помощь в отладке математической модели движения по заданной траектории</a:t>
-            </a:r>
-          </a:p>
-        </p:txBody>
-      </p:sp>
+              <a:t>Большое время моделирования со включённым режимом отладки по шагам в обратном направлении (рисунок справа).</a:t>
+            </a:r>
+          </a:p>
+          <a:p>
+            <a:pPr marL="0" indent="0">
+              <a:buNone/>
+            </a:pPr>
+            <a:endParaRPr lang="ru-RU" dirty="0"/>
+          </a:p>
+        </p:txBody>
+      </p:sp>
+      <p:pic>
+        <p:nvPicPr>
+          <p:cNvPr id="5" name="Рисунок 4">
+            <a:extLst>
+              <a:ext uri="{FF2B5EF4-FFF2-40B4-BE49-F238E27FC236}">
+                <a16:creationId xmlns:a16="http://schemas.microsoft.com/office/drawing/2014/main" id="{4BB75CBA-FC95-43C4-A0C4-DF612CF74FA2}"/>
+              </a:ext>
+            </a:extLst>
+          </p:cNvPr>
+          <p:cNvPicPr>
+            <a:picLocks noChangeAspect="1"/>
+          </p:cNvPicPr>
+          <p:nvPr/>
+        </p:nvPicPr>
+        <p:blipFill>
+          <a:blip r:embed="rId2">
+            <a:extLst>
+              <a:ext uri="{28A0092B-C50C-407E-A947-70E740481C1C}">
+                <a14:useLocalDpi xmlns:a14="http://schemas.microsoft.com/office/drawing/2010/main" val="0"/>
+              </a:ext>
+            </a:extLst>
+          </a:blip>
+          <a:stretch>
+            <a:fillRect/>
+          </a:stretch>
+        </p:blipFill>
+        <p:spPr>
+          <a:xfrm>
+            <a:off x="9782722" y="606913"/>
+            <a:ext cx="2201328" cy="2057316"/>
+          </a:xfrm>
+          <a:prstGeom prst="rect">
+            <a:avLst/>
+          </a:prstGeom>
+        </p:spPr>
+      </p:pic>
+      <p:pic>
+        <p:nvPicPr>
+          <p:cNvPr id="7" name="Рисунок 6">
+            <a:extLst>
+              <a:ext uri="{FF2B5EF4-FFF2-40B4-BE49-F238E27FC236}">
+                <a16:creationId xmlns:a16="http://schemas.microsoft.com/office/drawing/2014/main" id="{BBF7C8C9-EF08-4FA3-AA9A-EBA020E5B641}"/>
+              </a:ext>
+            </a:extLst>
+          </p:cNvPr>
+          <p:cNvPicPr>
+            <a:picLocks noChangeAspect="1"/>
+          </p:cNvPicPr>
+          <p:nvPr/>
+        </p:nvPicPr>
+        <p:blipFill>
+          <a:blip r:embed="rId3">
+            <a:extLst>
+              <a:ext uri="{28A0092B-C50C-407E-A947-70E740481C1C}">
+                <a14:useLocalDpi xmlns:a14="http://schemas.microsoft.com/office/drawing/2010/main" val="0"/>
+              </a:ext>
+            </a:extLst>
+          </a:blip>
+          <a:stretch>
+            <a:fillRect/>
+          </a:stretch>
+        </p:blipFill>
+        <p:spPr>
+          <a:xfrm>
+            <a:off x="1462420" y="3628328"/>
+            <a:ext cx="6849622" cy="3010774"/>
+          </a:xfrm>
+          <a:prstGeom prst="rect">
+            <a:avLst/>
+          </a:prstGeom>
+        </p:spPr>
+      </p:pic>
+      <p:pic>
+        <p:nvPicPr>
+          <p:cNvPr id="9" name="Рисунок 8">
+            <a:extLst>
+              <a:ext uri="{FF2B5EF4-FFF2-40B4-BE49-F238E27FC236}">
+                <a16:creationId xmlns:a16="http://schemas.microsoft.com/office/drawing/2014/main" id="{88C1C803-E104-4E49-9CB9-515199F3D767}"/>
+              </a:ext>
+            </a:extLst>
+          </p:cNvPr>
+          <p:cNvPicPr>
+            <a:picLocks noChangeAspect="1"/>
+          </p:cNvPicPr>
+          <p:nvPr/>
+        </p:nvPicPr>
+        <p:blipFill>
+          <a:blip r:embed="rId4">
+            <a:extLst>
+              <a:ext uri="{28A0092B-C50C-407E-A947-70E740481C1C}">
+                <a14:useLocalDpi xmlns:a14="http://schemas.microsoft.com/office/drawing/2010/main" val="0"/>
+              </a:ext>
+            </a:extLst>
+          </a:blip>
+          <a:stretch>
+            <a:fillRect/>
+          </a:stretch>
+        </p:blipFill>
+        <p:spPr>
+          <a:xfrm>
+            <a:off x="6286501" y="1456194"/>
+            <a:ext cx="3037161" cy="1754948"/>
+          </a:xfrm>
+          <a:prstGeom prst="rect">
+            <a:avLst/>
+          </a:prstGeom>
+        </p:spPr>
+      </p:pic>
+      <p:pic>
+        <p:nvPicPr>
+          <p:cNvPr id="11" name="Рисунок 10">
+            <a:extLst>
+              <a:ext uri="{FF2B5EF4-FFF2-40B4-BE49-F238E27FC236}">
+                <a16:creationId xmlns:a16="http://schemas.microsoft.com/office/drawing/2014/main" id="{27D57D88-2BAC-4CE1-8E6F-4BC6BF2C7017}"/>
+              </a:ext>
+            </a:extLst>
+          </p:cNvPr>
+          <p:cNvPicPr>
+            <a:picLocks noChangeAspect="1"/>
+          </p:cNvPicPr>
+          <p:nvPr/>
+        </p:nvPicPr>
+        <p:blipFill>
+          <a:blip r:embed="rId5">
+            <a:extLst>
+              <a:ext uri="{28A0092B-C50C-407E-A947-70E740481C1C}">
+                <a14:useLocalDpi xmlns:a14="http://schemas.microsoft.com/office/drawing/2010/main" val="0"/>
+              </a:ext>
+            </a:extLst>
+          </a:blip>
+          <a:stretch>
+            <a:fillRect/>
+          </a:stretch>
+        </p:blipFill>
+        <p:spPr>
+          <a:xfrm>
+            <a:off x="9990672" y="2956387"/>
+            <a:ext cx="1993378" cy="3901613"/>
+          </a:xfrm>
+          <a:prstGeom prst="rect">
+            <a:avLst/>
+          </a:prstGeom>
+        </p:spPr>
+      </p:pic>
     </p:spTree>
     <p:extLst>
       <p:ext uri="{BB962C8B-B14F-4D97-AF65-F5344CB8AC3E}">
-        <p14:creationId xmlns:p14="http://schemas.microsoft.com/office/powerpoint/2010/main" val="2643157428"/>
+        <p14:creationId xmlns:p14="http://schemas.microsoft.com/office/powerpoint/2010/main" val="494611774"/>
       </p:ext>
     </p:extLst>
   </p:cSld>
@@ -4039,7 +4268,7 @@
           <p:cNvPr id="2" name="Заголовок 1">
             <a:extLst>
               <a:ext uri="{FF2B5EF4-FFF2-40B4-BE49-F238E27FC236}">
-                <a16:creationId xmlns:a16="http://schemas.microsoft.com/office/drawing/2014/main" id="{B44A5D6E-89C4-4A8D-9F66-955AC0226E0E}"/>
+                <a16:creationId xmlns:a16="http://schemas.microsoft.com/office/drawing/2014/main" id="{2F7B4B4A-45B4-461C-B81C-192E92B1F79F}"/>
               </a:ext>
             </a:extLst>
           </p:cNvPr>
@@ -4050,105 +4279,67 @@
             <p:ph type="title"/>
           </p:nvPr>
         </p:nvSpPr>
-        <p:spPr>
-          <a:xfrm>
-            <a:off x="1913613" y="171450"/>
-            <a:ext cx="9601200" cy="790575"/>
-          </a:xfrm>
-        </p:spPr>
+        <p:spPr/>
         <p:txBody>
           <a:bodyPr/>
           <a:lstStyle/>
           <a:p>
             <a:r>
               <a:rPr lang="ru-RU" dirty="0"/>
-              <a:t>Графический интерфейс, часть 1</a:t>
-            </a:r>
-          </a:p>
-        </p:txBody>
-      </p:sp>
-      <p:pic>
-        <p:nvPicPr>
-          <p:cNvPr id="5" name="Объект 4">
+              <a:t>Цели и задачи</a:t>
+            </a:r>
+          </a:p>
+        </p:txBody>
+      </p:sp>
+      <p:sp>
+        <p:nvSpPr>
+          <p:cNvPr id="3" name="Объект 2">
             <a:extLst>
               <a:ext uri="{FF2B5EF4-FFF2-40B4-BE49-F238E27FC236}">
-                <a16:creationId xmlns:a16="http://schemas.microsoft.com/office/drawing/2014/main" id="{ED67EB33-2120-4455-A249-18C80DB5AC70}"/>
+                <a16:creationId xmlns:a16="http://schemas.microsoft.com/office/drawing/2014/main" id="{1A3F643D-5F47-4AE3-AB98-5F3332C369D1}"/>
               </a:ext>
             </a:extLst>
           </p:cNvPr>
-          <p:cNvPicPr>
-            <a:picLocks noGrp="1" noChangeAspect="1"/>
-          </p:cNvPicPr>
+          <p:cNvSpPr>
+            <a:spLocks noGrp="1"/>
+          </p:cNvSpPr>
           <p:nvPr>
             <p:ph idx="1"/>
           </p:nvPr>
-        </p:nvPicPr>
-        <p:blipFill>
-          <a:blip r:embed="rId2">
-            <a:extLst>
-              <a:ext uri="{28A0092B-C50C-407E-A947-70E740481C1C}">
-                <a14:useLocalDpi xmlns:a14="http://schemas.microsoft.com/office/drawing/2010/main" val="0"/>
-              </a:ext>
-            </a:extLst>
-          </a:blip>
-          <a:stretch>
-            <a:fillRect/>
-          </a:stretch>
-        </p:blipFill>
-        <p:spPr>
-          <a:xfrm>
-            <a:off x="1951714" y="1782121"/>
-            <a:ext cx="8288571" cy="4904429"/>
-          </a:xfrm>
-        </p:spPr>
-      </p:pic>
-      <p:sp>
-        <p:nvSpPr>
-          <p:cNvPr id="6" name="TextBox 5">
-            <a:extLst>
-              <a:ext uri="{FF2B5EF4-FFF2-40B4-BE49-F238E27FC236}">
-                <a16:creationId xmlns:a16="http://schemas.microsoft.com/office/drawing/2014/main" id="{499FD8CC-05B7-40F4-BF9E-5206DC7E37D4}"/>
-              </a:ext>
-            </a:extLst>
-          </p:cNvPr>
-          <p:cNvSpPr txBox="1"/>
-          <p:nvPr/>
-        </p:nvSpPr>
-        <p:spPr>
-          <a:xfrm>
-            <a:off x="3971925" y="1002741"/>
-            <a:ext cx="5143500" cy="369332"/>
-          </a:xfrm>
-          <a:prstGeom prst="rect">
-            <a:avLst/>
-          </a:prstGeom>
-          <a:noFill/>
-        </p:spPr>
-        <p:txBody>
-          <a:bodyPr wrap="square" rtlCol="0">
-            <a:spAutoFit/>
-          </a:bodyPr>
+        </p:nvSpPr>
+        <p:spPr>
+          <a:xfrm>
+            <a:off x="1371600" y="1638300"/>
+            <a:ext cx="9283700" cy="3581400"/>
+          </a:xfrm>
+        </p:spPr>
+        <p:txBody>
+          <a:bodyPr/>
           <a:lstStyle/>
           <a:p>
             <a:r>
               <a:rPr lang="ru-RU" dirty="0"/>
-              <a:t>Начальное состояние </a:t>
-            </a:r>
-            <a:r>
-              <a:rPr lang="en-US" dirty="0"/>
-              <a:t>GUI </a:t>
-            </a:r>
+              <a:t>Наглядное представление обхода донной зарядной станции</a:t>
+            </a:r>
+          </a:p>
+          <a:p>
             <a:r>
               <a:rPr lang="ru-RU" dirty="0"/>
-              <a:t>программы</a:t>
-            </a:r>
+              <a:t>Помощь в отладке математической модели движения по заданной траектории на основе записанных данных о координатах и времени</a:t>
+            </a:r>
+          </a:p>
+          <a:p>
+            <a:pPr marL="0" indent="0">
+              <a:buNone/>
+            </a:pPr>
+            <a:endParaRPr lang="ru-RU" dirty="0"/>
           </a:p>
         </p:txBody>
       </p:sp>
     </p:spTree>
     <p:extLst>
       <p:ext uri="{BB962C8B-B14F-4D97-AF65-F5344CB8AC3E}">
-        <p14:creationId xmlns:p14="http://schemas.microsoft.com/office/powerpoint/2010/main" val="2516572933"/>
+        <p14:creationId xmlns:p14="http://schemas.microsoft.com/office/powerpoint/2010/main" val="2643157428"/>
       </p:ext>
     </p:extLst>
   </p:cSld>
@@ -4180,7 +4371,7 @@
           <p:cNvPr id="2" name="Заголовок 1">
             <a:extLst>
               <a:ext uri="{FF2B5EF4-FFF2-40B4-BE49-F238E27FC236}">
-                <a16:creationId xmlns:a16="http://schemas.microsoft.com/office/drawing/2014/main" id="{5D3879B5-96EB-48FD-90CC-C074A9C7D03D}"/>
+                <a16:creationId xmlns:a16="http://schemas.microsoft.com/office/drawing/2014/main" id="{B44A5D6E-89C4-4A8D-9F66-955AC0226E0E}"/>
               </a:ext>
             </a:extLst>
           </p:cNvPr>
@@ -4193,8 +4384,8 @@
         </p:nvSpPr>
         <p:spPr>
           <a:xfrm>
-            <a:off x="1295400" y="184289"/>
-            <a:ext cx="9601200" cy="780911"/>
+            <a:off x="1913613" y="171450"/>
+            <a:ext cx="9601200" cy="790575"/>
           </a:xfrm>
         </p:spPr>
         <p:txBody>
@@ -4203,7 +4394,7 @@
           <a:p>
             <a:r>
               <a:rPr lang="ru-RU" dirty="0"/>
-              <a:t>Графический интерфейс, часть 2</a:t>
+              <a:t>Графический интерфейс, часть 1</a:t>
             </a:r>
           </a:p>
         </p:txBody>
@@ -4213,7 +4404,7 @@
           <p:cNvPr id="5" name="Объект 4">
             <a:extLst>
               <a:ext uri="{FF2B5EF4-FFF2-40B4-BE49-F238E27FC236}">
-                <a16:creationId xmlns:a16="http://schemas.microsoft.com/office/drawing/2014/main" id="{39C6BAB5-B793-4E44-8476-6EAC653BDAE3}"/>
+                <a16:creationId xmlns:a16="http://schemas.microsoft.com/office/drawing/2014/main" id="{ED67EB33-2120-4455-A249-18C80DB5AC70}"/>
               </a:ext>
             </a:extLst>
           </p:cNvPr>
@@ -4238,6 +4429,147 @@
         </p:blipFill>
         <p:spPr>
           <a:xfrm>
+            <a:off x="1951714" y="1782121"/>
+            <a:ext cx="8288571" cy="4904429"/>
+          </a:xfrm>
+        </p:spPr>
+      </p:pic>
+      <p:sp>
+        <p:nvSpPr>
+          <p:cNvPr id="6" name="TextBox 5">
+            <a:extLst>
+              <a:ext uri="{FF2B5EF4-FFF2-40B4-BE49-F238E27FC236}">
+                <a16:creationId xmlns:a16="http://schemas.microsoft.com/office/drawing/2014/main" id="{499FD8CC-05B7-40F4-BF9E-5206DC7E37D4}"/>
+              </a:ext>
+            </a:extLst>
+          </p:cNvPr>
+          <p:cNvSpPr txBox="1"/>
+          <p:nvPr/>
+        </p:nvSpPr>
+        <p:spPr>
+          <a:xfrm>
+            <a:off x="3971925" y="1002741"/>
+            <a:ext cx="5143500" cy="369332"/>
+          </a:xfrm>
+          <a:prstGeom prst="rect">
+            <a:avLst/>
+          </a:prstGeom>
+          <a:noFill/>
+        </p:spPr>
+        <p:txBody>
+          <a:bodyPr wrap="square" rtlCol="0">
+            <a:spAutoFit/>
+          </a:bodyPr>
+          <a:lstStyle/>
+          <a:p>
+            <a:r>
+              <a:rPr lang="ru-RU" dirty="0"/>
+              <a:t>Начальное состояние </a:t>
+            </a:r>
+            <a:r>
+              <a:rPr lang="en-US" dirty="0"/>
+              <a:t>GUI </a:t>
+            </a:r>
+            <a:r>
+              <a:rPr lang="ru-RU" dirty="0"/>
+              <a:t>программы</a:t>
+            </a:r>
+          </a:p>
+        </p:txBody>
+      </p:sp>
+    </p:spTree>
+    <p:extLst>
+      <p:ext uri="{BB962C8B-B14F-4D97-AF65-F5344CB8AC3E}">
+        <p14:creationId xmlns:p14="http://schemas.microsoft.com/office/powerpoint/2010/main" val="2516572933"/>
+      </p:ext>
+    </p:extLst>
+  </p:cSld>
+  <p:clrMapOvr>
+    <a:masterClrMapping/>
+  </p:clrMapOvr>
+</p:sld>
+</file>
+
+<file path=ppt/slides/slide5.xml><?xml version="1.0" encoding="utf-8"?>
+<p:sld xmlns:a="http://schemas.openxmlformats.org/drawingml/2006/main" xmlns:r="http://schemas.openxmlformats.org/officeDocument/2006/relationships" xmlns:p="http://schemas.openxmlformats.org/presentationml/2006/main">
+  <p:cSld>
+    <p:spTree>
+      <p:nvGrpSpPr>
+        <p:cNvPr id="1" name=""/>
+        <p:cNvGrpSpPr/>
+        <p:nvPr/>
+      </p:nvGrpSpPr>
+      <p:grpSpPr>
+        <a:xfrm>
+          <a:off x="0" y="0"/>
+          <a:ext cx="0" cy="0"/>
+          <a:chOff x="0" y="0"/>
+          <a:chExt cx="0" cy="0"/>
+        </a:xfrm>
+      </p:grpSpPr>
+      <p:sp>
+        <p:nvSpPr>
+          <p:cNvPr id="2" name="Заголовок 1">
+            <a:extLst>
+              <a:ext uri="{FF2B5EF4-FFF2-40B4-BE49-F238E27FC236}">
+                <a16:creationId xmlns:a16="http://schemas.microsoft.com/office/drawing/2014/main" id="{5D3879B5-96EB-48FD-90CC-C074A9C7D03D}"/>
+              </a:ext>
+            </a:extLst>
+          </p:cNvPr>
+          <p:cNvSpPr>
+            <a:spLocks noGrp="1"/>
+          </p:cNvSpPr>
+          <p:nvPr>
+            <p:ph type="title"/>
+          </p:nvPr>
+        </p:nvSpPr>
+        <p:spPr>
+          <a:xfrm>
+            <a:off x="1295400" y="184289"/>
+            <a:ext cx="9601200" cy="780911"/>
+          </a:xfrm>
+        </p:spPr>
+        <p:txBody>
+          <a:bodyPr/>
+          <a:lstStyle/>
+          <a:p>
+            <a:r>
+              <a:rPr lang="ru-RU" dirty="0"/>
+              <a:t>Графический интерфейс, часть 2</a:t>
+            </a:r>
+          </a:p>
+        </p:txBody>
+      </p:sp>
+      <p:pic>
+        <p:nvPicPr>
+          <p:cNvPr id="5" name="Объект 4">
+            <a:extLst>
+              <a:ext uri="{FF2B5EF4-FFF2-40B4-BE49-F238E27FC236}">
+                <a16:creationId xmlns:a16="http://schemas.microsoft.com/office/drawing/2014/main" id="{39C6BAB5-B793-4E44-8476-6EAC653BDAE3}"/>
+              </a:ext>
+            </a:extLst>
+          </p:cNvPr>
+          <p:cNvPicPr>
+            <a:picLocks noGrp="1" noChangeAspect="1"/>
+          </p:cNvPicPr>
+          <p:nvPr>
+            <p:ph idx="1"/>
+          </p:nvPr>
+        </p:nvPicPr>
+        <p:blipFill>
+          <a:blip r:embed="rId2">
+            <a:extLst>
+              <a:ext uri="{28A0092B-C50C-407E-A947-70E740481C1C}">
+                <a14:useLocalDpi xmlns:a14="http://schemas.microsoft.com/office/drawing/2010/main" val="0"/>
+              </a:ext>
+            </a:extLst>
+          </a:blip>
+          <a:stretch>
+            <a:fillRect/>
+          </a:stretch>
+        </p:blipFill>
+        <p:spPr>
+          <a:xfrm>
             <a:off x="2657475" y="1670189"/>
             <a:ext cx="6877050" cy="4650270"/>
           </a:xfrm>
@@ -4291,7 +4623,7 @@
 </p:sld>
 </file>
 
-<file path=ppt/slides/slide5.xml><?xml version="1.0" encoding="utf-8"?>
+<file path=ppt/slides/slide6.xml><?xml version="1.0" encoding="utf-8"?>
 <p:sld xmlns:a="http://schemas.openxmlformats.org/drawingml/2006/main" xmlns:r="http://schemas.openxmlformats.org/officeDocument/2006/relationships" xmlns:p="http://schemas.openxmlformats.org/presentationml/2006/main">
   <p:cSld>
     <p:spTree>
@@ -4460,139 +4792,6 @@
 </p:sld>
 </file>
 
-<file path=ppt/slides/slide6.xml><?xml version="1.0" encoding="utf-8"?>
-<p:sld xmlns:a="http://schemas.openxmlformats.org/drawingml/2006/main" xmlns:r="http://schemas.openxmlformats.org/officeDocument/2006/relationships" xmlns:p="http://schemas.openxmlformats.org/presentationml/2006/main">
-  <p:cSld>
-    <p:spTree>
-      <p:nvGrpSpPr>
-        <p:cNvPr id="1" name=""/>
-        <p:cNvGrpSpPr/>
-        <p:nvPr/>
-      </p:nvGrpSpPr>
-      <p:grpSpPr>
-        <a:xfrm>
-          <a:off x="0" y="0"/>
-          <a:ext cx="0" cy="0"/>
-          <a:chOff x="0" y="0"/>
-          <a:chExt cx="0" cy="0"/>
-        </a:xfrm>
-      </p:grpSpPr>
-      <p:sp>
-        <p:nvSpPr>
-          <p:cNvPr id="2" name="Заголовок 1">
-            <a:extLst>
-              <a:ext uri="{FF2B5EF4-FFF2-40B4-BE49-F238E27FC236}">
-                <a16:creationId xmlns:a16="http://schemas.microsoft.com/office/drawing/2014/main" id="{B6C0E7EF-60D1-4548-893B-1427AA6655D2}"/>
-              </a:ext>
-            </a:extLst>
-          </p:cNvPr>
-          <p:cNvSpPr>
-            <a:spLocks noGrp="1"/>
-          </p:cNvSpPr>
-          <p:nvPr>
-            <p:ph type="title"/>
-          </p:nvPr>
-        </p:nvSpPr>
-        <p:spPr>
-          <a:xfrm>
-            <a:off x="1511300" y="363472"/>
-            <a:ext cx="9601200" cy="779528"/>
-          </a:xfrm>
-        </p:spPr>
-        <p:txBody>
-          <a:bodyPr/>
-          <a:lstStyle/>
-          <a:p>
-            <a:r>
-              <a:rPr lang="ru-RU" dirty="0"/>
-              <a:t>Графический интерфейс, часть 4</a:t>
-            </a:r>
-          </a:p>
-        </p:txBody>
-      </p:sp>
-      <p:pic>
-        <p:nvPicPr>
-          <p:cNvPr id="5" name="Объект 4">
-            <a:extLst>
-              <a:ext uri="{FF2B5EF4-FFF2-40B4-BE49-F238E27FC236}">
-                <a16:creationId xmlns:a16="http://schemas.microsoft.com/office/drawing/2014/main" id="{8165CB15-8D91-47D2-8C94-A1DEEE2A89E5}"/>
-              </a:ext>
-            </a:extLst>
-          </p:cNvPr>
-          <p:cNvPicPr>
-            <a:picLocks noGrp="1" noChangeAspect="1"/>
-          </p:cNvPicPr>
-          <p:nvPr>
-            <p:ph idx="1"/>
-          </p:nvPr>
-        </p:nvPicPr>
-        <p:blipFill>
-          <a:blip r:embed="rId2">
-            <a:extLst>
-              <a:ext uri="{28A0092B-C50C-407E-A947-70E740481C1C}">
-                <a14:useLocalDpi xmlns:a14="http://schemas.microsoft.com/office/drawing/2010/main" val="0"/>
-              </a:ext>
-            </a:extLst>
-          </a:blip>
-          <a:stretch>
-            <a:fillRect/>
-          </a:stretch>
-        </p:blipFill>
-        <p:spPr>
-          <a:xfrm>
-            <a:off x="2545996" y="2171700"/>
-            <a:ext cx="7252408" cy="4322828"/>
-          </a:xfrm>
-        </p:spPr>
-      </p:pic>
-      <p:sp>
-        <p:nvSpPr>
-          <p:cNvPr id="6" name="TextBox 5">
-            <a:extLst>
-              <a:ext uri="{FF2B5EF4-FFF2-40B4-BE49-F238E27FC236}">
-                <a16:creationId xmlns:a16="http://schemas.microsoft.com/office/drawing/2014/main" id="{49C67657-AE4A-4EB8-A656-7F469AFF4DFB}"/>
-              </a:ext>
-            </a:extLst>
-          </p:cNvPr>
-          <p:cNvSpPr txBox="1"/>
-          <p:nvPr/>
-        </p:nvSpPr>
-        <p:spPr>
-          <a:xfrm>
-            <a:off x="2466975" y="1676400"/>
-            <a:ext cx="7689850" cy="369332"/>
-          </a:xfrm>
-          <a:prstGeom prst="rect">
-            <a:avLst/>
-          </a:prstGeom>
-          <a:noFill/>
-        </p:spPr>
-        <p:txBody>
-          <a:bodyPr wrap="square" rtlCol="0">
-            <a:spAutoFit/>
-          </a:bodyPr>
-          <a:lstStyle/>
-          <a:p>
-            <a:r>
-              <a:rPr lang="ru-RU" dirty="0"/>
-              <a:t>Активация элементов управления после успешного считывания файла</a:t>
-            </a:r>
-          </a:p>
-        </p:txBody>
-      </p:sp>
-    </p:spTree>
-    <p:extLst>
-      <p:ext uri="{BB962C8B-B14F-4D97-AF65-F5344CB8AC3E}">
-        <p14:creationId xmlns:p14="http://schemas.microsoft.com/office/powerpoint/2010/main" val="820592898"/>
-      </p:ext>
-    </p:extLst>
-  </p:cSld>
-  <p:clrMapOvr>
-    <a:masterClrMapping/>
-  </p:clrMapOvr>
-</p:sld>
-</file>
-
 <file path=ppt/slides/slide7.xml><?xml version="1.0" encoding="utf-8"?>
 <p:sld xmlns:a="http://schemas.openxmlformats.org/drawingml/2006/main" xmlns:r="http://schemas.openxmlformats.org/officeDocument/2006/relationships" xmlns:p="http://schemas.openxmlformats.org/presentationml/2006/main">
   <p:cSld>
@@ -4615,7 +4814,7 @@
           <p:cNvPr id="2" name="Заголовок 1">
             <a:extLst>
               <a:ext uri="{FF2B5EF4-FFF2-40B4-BE49-F238E27FC236}">
-                <a16:creationId xmlns:a16="http://schemas.microsoft.com/office/drawing/2014/main" id="{4E8D3237-78BB-4F9C-878C-2BB20A75818A}"/>
+                <a16:creationId xmlns:a16="http://schemas.microsoft.com/office/drawing/2014/main" id="{B6C0E7EF-60D1-4548-893B-1427AA6655D2}"/>
               </a:ext>
             </a:extLst>
           </p:cNvPr>
@@ -4628,29 +4827,27 @@
         </p:nvSpPr>
         <p:spPr>
           <a:xfrm>
-            <a:off x="2095500" y="215900"/>
-            <a:ext cx="9601200" cy="622300"/>
-          </a:xfrm>
-        </p:spPr>
-        <p:txBody>
-          <a:bodyPr>
-            <a:normAutofit fontScale="90000"/>
-          </a:bodyPr>
+            <a:off x="1511300" y="363472"/>
+            <a:ext cx="9601200" cy="779528"/>
+          </a:xfrm>
+        </p:spPr>
+        <p:txBody>
+          <a:bodyPr/>
           <a:lstStyle/>
           <a:p>
             <a:r>
               <a:rPr lang="ru-RU" dirty="0"/>
-              <a:t>Графический интерфейс, часть 5</a:t>
+              <a:t>Графический интерфейс, часть 4</a:t>
             </a:r>
           </a:p>
         </p:txBody>
       </p:sp>
       <p:pic>
         <p:nvPicPr>
-          <p:cNvPr id="6" name="Объект 5">
+          <p:cNvPr id="5" name="Объект 4">
             <a:extLst>
               <a:ext uri="{FF2B5EF4-FFF2-40B4-BE49-F238E27FC236}">
-                <a16:creationId xmlns:a16="http://schemas.microsoft.com/office/drawing/2014/main" id="{28AB5993-2240-44DB-A4D5-224002E13619}"/>
+                <a16:creationId xmlns:a16="http://schemas.microsoft.com/office/drawing/2014/main" id="{8165CB15-8D91-47D2-8C94-A1DEEE2A89E5}"/>
               </a:ext>
             </a:extLst>
           </p:cNvPr>
@@ -4675,17 +4872,17 @@
         </p:blipFill>
         <p:spPr>
           <a:xfrm>
-            <a:off x="2095500" y="2184400"/>
-            <a:ext cx="7353300" cy="4358640"/>
+            <a:off x="2545996" y="2171700"/>
+            <a:ext cx="7252408" cy="4322828"/>
           </a:xfrm>
         </p:spPr>
       </p:pic>
       <p:sp>
         <p:nvSpPr>
-          <p:cNvPr id="4" name="TextBox 3">
+          <p:cNvPr id="6" name="TextBox 5">
             <a:extLst>
               <a:ext uri="{FF2B5EF4-FFF2-40B4-BE49-F238E27FC236}">
-                <a16:creationId xmlns:a16="http://schemas.microsoft.com/office/drawing/2014/main" id="{2152BACA-1893-44BE-B835-F0B785E150E1}"/>
+                <a16:creationId xmlns:a16="http://schemas.microsoft.com/office/drawing/2014/main" id="{49C67657-AE4A-4EB8-A656-7F469AFF4DFB}"/>
               </a:ext>
             </a:extLst>
           </p:cNvPr>
@@ -4694,8 +4891,8 @@
         </p:nvSpPr>
         <p:spPr>
           <a:xfrm>
-            <a:off x="4352925" y="1459468"/>
-            <a:ext cx="3711575" cy="369332"/>
+            <a:off x="2466975" y="1676400"/>
+            <a:ext cx="7689850" cy="369332"/>
           </a:xfrm>
           <a:prstGeom prst="rect">
             <a:avLst/>
@@ -4710,7 +4907,7 @@
           <a:p>
             <a:r>
               <a:rPr lang="ru-RU" dirty="0"/>
-              <a:t>Запущенная визуализация</a:t>
+              <a:t>Активация элементов управления после успешного считывания файла</a:t>
             </a:r>
           </a:p>
         </p:txBody>
@@ -4718,7 +4915,7 @@
     </p:spTree>
     <p:extLst>
       <p:ext uri="{BB962C8B-B14F-4D97-AF65-F5344CB8AC3E}">
-        <p14:creationId xmlns:p14="http://schemas.microsoft.com/office/powerpoint/2010/main" val="3437400111"/>
+        <p14:creationId xmlns:p14="http://schemas.microsoft.com/office/powerpoint/2010/main" val="820592898"/>
       </p:ext>
     </p:extLst>
   </p:cSld>
@@ -4750,7 +4947,7 @@
           <p:cNvPr id="2" name="Заголовок 1">
             <a:extLst>
               <a:ext uri="{FF2B5EF4-FFF2-40B4-BE49-F238E27FC236}">
-                <a16:creationId xmlns:a16="http://schemas.microsoft.com/office/drawing/2014/main" id="{D20BEA49-4333-4416-92F7-BB8B0AA9D92B}"/>
+                <a16:creationId xmlns:a16="http://schemas.microsoft.com/office/drawing/2014/main" id="{4E8D3237-78BB-4F9C-878C-2BB20A75818A}"/>
               </a:ext>
             </a:extLst>
           </p:cNvPr>
@@ -4761,68 +4958,91 @@
             <p:ph type="title"/>
           </p:nvPr>
         </p:nvSpPr>
-        <p:spPr/>
-        <p:txBody>
-          <a:bodyPr/>
+        <p:spPr>
+          <a:xfrm>
+            <a:off x="2095500" y="215900"/>
+            <a:ext cx="9601200" cy="622300"/>
+          </a:xfrm>
+        </p:spPr>
+        <p:txBody>
+          <a:bodyPr>
+            <a:normAutofit fontScale="90000"/>
+          </a:bodyPr>
           <a:lstStyle/>
           <a:p>
             <a:r>
               <a:rPr lang="ru-RU" dirty="0"/>
-              <a:t>Пути улучшения ПО</a:t>
-            </a:r>
-          </a:p>
-        </p:txBody>
-      </p:sp>
-      <p:sp>
-        <p:nvSpPr>
-          <p:cNvPr id="3" name="Объект 2">
+              <a:t>Графический интерфейс, часть 5</a:t>
+            </a:r>
+          </a:p>
+        </p:txBody>
+      </p:sp>
+      <p:pic>
+        <p:nvPicPr>
+          <p:cNvPr id="6" name="Объект 5">
             <a:extLst>
               <a:ext uri="{FF2B5EF4-FFF2-40B4-BE49-F238E27FC236}">
-                <a16:creationId xmlns:a16="http://schemas.microsoft.com/office/drawing/2014/main" id="{171BA358-7836-4237-BAFD-179AB98CCD05}"/>
+                <a16:creationId xmlns:a16="http://schemas.microsoft.com/office/drawing/2014/main" id="{28AB5993-2240-44DB-A4D5-224002E13619}"/>
               </a:ext>
             </a:extLst>
           </p:cNvPr>
-          <p:cNvSpPr>
-            <a:spLocks noGrp="1"/>
-          </p:cNvSpPr>
+          <p:cNvPicPr>
+            <a:picLocks noGrp="1" noChangeAspect="1"/>
+          </p:cNvPicPr>
           <p:nvPr>
             <p:ph idx="1"/>
           </p:nvPr>
-        </p:nvSpPr>
-        <p:spPr/>
-        <p:txBody>
-          <a:bodyPr/>
+        </p:nvPicPr>
+        <p:blipFill>
+          <a:blip r:embed="rId2">
+            <a:extLst>
+              <a:ext uri="{28A0092B-C50C-407E-A947-70E740481C1C}">
+                <a14:useLocalDpi xmlns:a14="http://schemas.microsoft.com/office/drawing/2010/main" val="0"/>
+              </a:ext>
+            </a:extLst>
+          </a:blip>
+          <a:stretch>
+            <a:fillRect/>
+          </a:stretch>
+        </p:blipFill>
+        <p:spPr>
+          <a:xfrm>
+            <a:off x="2095500" y="2184400"/>
+            <a:ext cx="7353300" cy="4358640"/>
+          </a:xfrm>
+        </p:spPr>
+      </p:pic>
+      <p:sp>
+        <p:nvSpPr>
+          <p:cNvPr id="4" name="TextBox 3">
+            <a:extLst>
+              <a:ext uri="{FF2B5EF4-FFF2-40B4-BE49-F238E27FC236}">
+                <a16:creationId xmlns:a16="http://schemas.microsoft.com/office/drawing/2014/main" id="{2152BACA-1893-44BE-B835-F0B785E150E1}"/>
+              </a:ext>
+            </a:extLst>
+          </p:cNvPr>
+          <p:cNvSpPr txBox="1"/>
+          <p:nvPr/>
+        </p:nvSpPr>
+        <p:spPr>
+          <a:xfrm>
+            <a:off x="4352925" y="1459468"/>
+            <a:ext cx="3711575" cy="369332"/>
+          </a:xfrm>
+          <a:prstGeom prst="rect">
+            <a:avLst/>
+          </a:prstGeom>
+          <a:noFill/>
+        </p:spPr>
+        <p:txBody>
+          <a:bodyPr wrap="square" rtlCol="0">
+            <a:spAutoFit/>
+          </a:bodyPr>
           <a:lstStyle/>
           <a:p>
             <a:r>
               <a:rPr lang="ru-RU" dirty="0"/>
-              <a:t>Добавить оси с подписями и отсчётами и координатную сетку.</a:t>
-            </a:r>
-          </a:p>
-          <a:p>
-            <a:r>
-              <a:rPr lang="ru-RU" dirty="0"/>
-              <a:t>Встроить текстуру морского дна в виде фона.</a:t>
-            </a:r>
-          </a:p>
-          <a:p>
-            <a:r>
-              <a:rPr lang="ru-RU" dirty="0"/>
-              <a:t>Добавить возможность масштабирования и перемещения по получившейся карте.</a:t>
-            </a:r>
-          </a:p>
-          <a:p>
-            <a:r>
-              <a:rPr lang="ru-RU" dirty="0"/>
-              <a:t>В случае перемещения в пространстве использовать модуль </a:t>
-            </a:r>
-            <a:r>
-              <a:rPr lang="en-US" dirty="0"/>
-              <a:t>Qt Data Visualization</a:t>
-            </a:r>
-            <a:r>
-              <a:rPr lang="ru-RU" dirty="0"/>
-              <a:t>.</a:t>
+              <a:t>Запущенная визуализация</a:t>
             </a:r>
           </a:p>
         </p:txBody>
@@ -4830,7 +5050,7 @@
     </p:spTree>
     <p:extLst>
       <p:ext uri="{BB962C8B-B14F-4D97-AF65-F5344CB8AC3E}">
-        <p14:creationId xmlns:p14="http://schemas.microsoft.com/office/powerpoint/2010/main" val="365463268"/>
+        <p14:creationId xmlns:p14="http://schemas.microsoft.com/office/powerpoint/2010/main" val="3437400111"/>
       </p:ext>
     </p:extLst>
   </p:cSld>
@@ -4862,7 +5082,7 @@
           <p:cNvPr id="2" name="Заголовок 1">
             <a:extLst>
               <a:ext uri="{FF2B5EF4-FFF2-40B4-BE49-F238E27FC236}">
-                <a16:creationId xmlns:a16="http://schemas.microsoft.com/office/drawing/2014/main" id="{FBC7953E-74E1-4150-9676-AA28549DC1FC}"/>
+                <a16:creationId xmlns:a16="http://schemas.microsoft.com/office/drawing/2014/main" id="{D20BEA49-4333-4416-92F7-BB8B0AA9D92B}"/>
               </a:ext>
             </a:extLst>
           </p:cNvPr>
@@ -4873,19 +5093,82 @@
             <p:ph type="title"/>
           </p:nvPr>
         </p:nvSpPr>
-        <p:spPr>
-          <a:xfrm>
-            <a:off x="3312886" y="2979058"/>
-            <a:ext cx="6135914" cy="954313"/>
-          </a:xfrm>
-        </p:spPr>
+        <p:spPr/>
         <p:txBody>
           <a:bodyPr/>
           <a:lstStyle/>
           <a:p>
             <a:r>
               <a:rPr lang="ru-RU" dirty="0"/>
-              <a:t>Спасибо за внимание)</a:t>
+              <a:t>Пути улучшения ПО</a:t>
+            </a:r>
+          </a:p>
+        </p:txBody>
+      </p:sp>
+      <p:sp>
+        <p:nvSpPr>
+          <p:cNvPr id="3" name="Объект 2">
+            <a:extLst>
+              <a:ext uri="{FF2B5EF4-FFF2-40B4-BE49-F238E27FC236}">
+                <a16:creationId xmlns:a16="http://schemas.microsoft.com/office/drawing/2014/main" id="{171BA358-7836-4237-BAFD-179AB98CCD05}"/>
+              </a:ext>
+            </a:extLst>
+          </p:cNvPr>
+          <p:cNvSpPr>
+            <a:spLocks noGrp="1"/>
+          </p:cNvSpPr>
+          <p:nvPr>
+            <p:ph idx="1"/>
+          </p:nvPr>
+        </p:nvSpPr>
+        <p:spPr/>
+        <p:txBody>
+          <a:bodyPr/>
+          <a:lstStyle/>
+          <a:p>
+            <a:r>
+              <a:rPr lang="ru-RU" dirty="0"/>
+              <a:t>Добавить оси с подписями и отсчётами и координатную сетку.</a:t>
+            </a:r>
+          </a:p>
+          <a:p>
+            <a:r>
+              <a:rPr lang="ru-RU" dirty="0"/>
+              <a:t>Встроить текстуру морского дна в виде фона.</a:t>
+            </a:r>
+          </a:p>
+          <a:p>
+            <a:r>
+              <a:rPr lang="ru-RU" dirty="0"/>
+              <a:t>Добавить возможность масштабирования и перемещения по получившейся карте.</a:t>
+            </a:r>
+          </a:p>
+          <a:p>
+            <a:r>
+              <a:rPr lang="ru-RU" dirty="0"/>
+              <a:t>В случае перемещения в пространстве использовать модуль </a:t>
+            </a:r>
+            <a:r>
+              <a:rPr lang="en-US" dirty="0"/>
+              <a:t>Qt Data Visualization</a:t>
+            </a:r>
+            <a:r>
+              <a:rPr lang="ru-RU" dirty="0"/>
+              <a:t>.</a:t>
+            </a:r>
+          </a:p>
+          <a:p>
+            <a:r>
+              <a:rPr lang="ru-RU" dirty="0"/>
+              <a:t>Возможность запуска моделирования напрямую из </a:t>
+            </a:r>
+            <a:r>
+              <a:rPr lang="en-US" dirty="0"/>
+              <a:t>C++-</a:t>
+            </a:r>
+            <a:r>
+              <a:rPr lang="ru-RU" dirty="0"/>
+              <a:t>кода.</a:t>
             </a:r>
           </a:p>
         </p:txBody>
@@ -4893,7 +5176,7 @@
     </p:spTree>
     <p:extLst>
       <p:ext uri="{BB962C8B-B14F-4D97-AF65-F5344CB8AC3E}">
-        <p14:creationId xmlns:p14="http://schemas.microsoft.com/office/powerpoint/2010/main" val="578678477"/>
+        <p14:creationId xmlns:p14="http://schemas.microsoft.com/office/powerpoint/2010/main" val="365463268"/>
       </p:ext>
     </p:extLst>
   </p:cSld>
